--- a/알고리즘수업자료.pptx
+++ b/알고리즘수업자료.pptx
@@ -294,7 +294,7 @@
           <a:p>
             <a:fld id="{16BCF6D9-E127-40FC-A14B-43F6D80BD9C6}" type="datetimeFigureOut">
               <a:rPr lang="ko-KR" altLang="en-US" smtClean="0"/>
-              <a:t>2025-08-19</a:t>
+              <a:t>2025-08-21</a:t>
             </a:fld>
             <a:endParaRPr lang="ko-KR" altLang="en-US"/>
           </a:p>
@@ -462,7 +462,7 @@
           <a:p>
             <a:fld id="{16BCF6D9-E127-40FC-A14B-43F6D80BD9C6}" type="datetimeFigureOut">
               <a:rPr lang="ko-KR" altLang="en-US" smtClean="0"/>
-              <a:t>2025-08-19</a:t>
+              <a:t>2025-08-21</a:t>
             </a:fld>
             <a:endParaRPr lang="ko-KR" altLang="en-US"/>
           </a:p>
@@ -640,7 +640,7 @@
           <a:p>
             <a:fld id="{16BCF6D9-E127-40FC-A14B-43F6D80BD9C6}" type="datetimeFigureOut">
               <a:rPr lang="ko-KR" altLang="en-US" smtClean="0"/>
-              <a:t>2025-08-19</a:t>
+              <a:t>2025-08-21</a:t>
             </a:fld>
             <a:endParaRPr lang="ko-KR" altLang="en-US"/>
           </a:p>
@@ -808,7 +808,7 @@
           <a:p>
             <a:fld id="{16BCF6D9-E127-40FC-A14B-43F6D80BD9C6}" type="datetimeFigureOut">
               <a:rPr lang="ko-KR" altLang="en-US" smtClean="0"/>
-              <a:t>2025-08-19</a:t>
+              <a:t>2025-08-21</a:t>
             </a:fld>
             <a:endParaRPr lang="ko-KR" altLang="en-US"/>
           </a:p>
@@ -1053,7 +1053,7 @@
           <a:p>
             <a:fld id="{16BCF6D9-E127-40FC-A14B-43F6D80BD9C6}" type="datetimeFigureOut">
               <a:rPr lang="ko-KR" altLang="en-US" smtClean="0"/>
-              <a:t>2025-08-19</a:t>
+              <a:t>2025-08-21</a:t>
             </a:fld>
             <a:endParaRPr lang="ko-KR" altLang="en-US"/>
           </a:p>
@@ -1282,7 +1282,7 @@
           <a:p>
             <a:fld id="{16BCF6D9-E127-40FC-A14B-43F6D80BD9C6}" type="datetimeFigureOut">
               <a:rPr lang="ko-KR" altLang="en-US" smtClean="0"/>
-              <a:t>2025-08-19</a:t>
+              <a:t>2025-08-21</a:t>
             </a:fld>
             <a:endParaRPr lang="ko-KR" altLang="en-US"/>
           </a:p>
@@ -1646,7 +1646,7 @@
           <a:p>
             <a:fld id="{16BCF6D9-E127-40FC-A14B-43F6D80BD9C6}" type="datetimeFigureOut">
               <a:rPr lang="ko-KR" altLang="en-US" smtClean="0"/>
-              <a:t>2025-08-19</a:t>
+              <a:t>2025-08-21</a:t>
             </a:fld>
             <a:endParaRPr lang="ko-KR" altLang="en-US"/>
           </a:p>
@@ -1763,7 +1763,7 @@
           <a:p>
             <a:fld id="{16BCF6D9-E127-40FC-A14B-43F6D80BD9C6}" type="datetimeFigureOut">
               <a:rPr lang="ko-KR" altLang="en-US" smtClean="0"/>
-              <a:t>2025-08-19</a:t>
+              <a:t>2025-08-21</a:t>
             </a:fld>
             <a:endParaRPr lang="ko-KR" altLang="en-US"/>
           </a:p>
@@ -1858,7 +1858,7 @@
           <a:p>
             <a:fld id="{16BCF6D9-E127-40FC-A14B-43F6D80BD9C6}" type="datetimeFigureOut">
               <a:rPr lang="ko-KR" altLang="en-US" smtClean="0"/>
-              <a:t>2025-08-19</a:t>
+              <a:t>2025-08-21</a:t>
             </a:fld>
             <a:endParaRPr lang="ko-KR" altLang="en-US"/>
           </a:p>
@@ -2133,7 +2133,7 @@
           <a:p>
             <a:fld id="{16BCF6D9-E127-40FC-A14B-43F6D80BD9C6}" type="datetimeFigureOut">
               <a:rPr lang="ko-KR" altLang="en-US" smtClean="0"/>
-              <a:t>2025-08-19</a:t>
+              <a:t>2025-08-21</a:t>
             </a:fld>
             <a:endParaRPr lang="ko-KR" altLang="en-US"/>
           </a:p>
@@ -2385,7 +2385,7 @@
           <a:p>
             <a:fld id="{16BCF6D9-E127-40FC-A14B-43F6D80BD9C6}" type="datetimeFigureOut">
               <a:rPr lang="ko-KR" altLang="en-US" smtClean="0"/>
-              <a:t>2025-08-19</a:t>
+              <a:t>2025-08-21</a:t>
             </a:fld>
             <a:endParaRPr lang="ko-KR" altLang="en-US"/>
           </a:p>
@@ -2596,7 +2596,7 @@
           <a:p>
             <a:fld id="{16BCF6D9-E127-40FC-A14B-43F6D80BD9C6}" type="datetimeFigureOut">
               <a:rPr lang="ko-KR" altLang="en-US" smtClean="0"/>
-              <a:t>2025-08-19</a:t>
+              <a:t>2025-08-21</a:t>
             </a:fld>
             <a:endParaRPr lang="ko-KR" altLang="en-US"/>
           </a:p>
@@ -13042,6 +13042,13 @@
   <p:clrMapOvr>
     <a:masterClrMapping/>
   </p:clrMapOvr>
+  <p:timing>
+    <p:tnLst>
+      <p:par>
+        <p:cTn id="1" dur="indefinite" restart="never" nodeType="tmRoot"/>
+      </p:par>
+    </p:tnLst>
+  </p:timing>
 </p:sld>
 </file>
 
@@ -13598,6 +13605,13 @@
   <p:clrMapOvr>
     <a:masterClrMapping/>
   </p:clrMapOvr>
+  <p:timing>
+    <p:tnLst>
+      <p:par>
+        <p:cTn id="1" dur="indefinite" restart="never" nodeType="tmRoot"/>
+      </p:par>
+    </p:tnLst>
+  </p:timing>
 </p:sld>
 </file>
 
@@ -14510,6 +14524,13 @@
   <p:clrMapOvr>
     <a:masterClrMapping/>
   </p:clrMapOvr>
+  <p:timing>
+    <p:tnLst>
+      <p:par>
+        <p:cTn id="1" dur="indefinite" restart="never" nodeType="tmRoot"/>
+      </p:par>
+    </p:tnLst>
+  </p:timing>
 </p:sld>
 </file>
 
@@ -15613,26 +15634,16 @@
           <a:lstStyle/>
           <a:p>
             <a:r>
-              <a:rPr lang="ko-KR" altLang="en-US" sz="2000" b="1" dirty="0" err="1">
-                <a:latin typeface="G마켓 산스 TTF Bold" panose="02000000000000000000" pitchFamily="2" charset="-127"/>
-                <a:ea typeface="G마켓 산스 TTF Bold" panose="02000000000000000000" pitchFamily="2" charset="-127"/>
-              </a:rPr>
-              <a:t>브루트</a:t>
-            </a:r>
-            <a:r>
-              <a:rPr lang="ko-KR" altLang="en-US" sz="2000" b="1" dirty="0">
-                <a:latin typeface="G마켓 산스 TTF Bold" panose="02000000000000000000" pitchFamily="2" charset="-127"/>
-                <a:ea typeface="G마켓 산스 TTF Bold" panose="02000000000000000000" pitchFamily="2" charset="-127"/>
-              </a:rPr>
-              <a:t> 포스 </a:t>
-            </a:r>
-            <a:r>
-              <a:rPr lang="en-US" altLang="ko-KR" sz="2000" b="1" dirty="0">
-                <a:latin typeface="G마켓 산스 TTF Bold" panose="02000000000000000000" pitchFamily="2" charset="-127"/>
-                <a:ea typeface="G마켓 산스 TTF Bold" panose="02000000000000000000" pitchFamily="2" charset="-127"/>
-              </a:rPr>
-              <a:t>(brute force) </a:t>
-            </a:r>
+              <a:rPr lang="en-US" altLang="ko-KR" sz="2000" b="1" smtClean="0">
+                <a:latin typeface="G마켓 산스 TTF Bold" panose="02000000000000000000" pitchFamily="2" charset="-127"/>
+                <a:ea typeface="G마켓 산스 TTF Bold" panose="02000000000000000000" pitchFamily="2" charset="-127"/>
+              </a:rPr>
+              <a:t>brute force</a:t>
+            </a:r>
+            <a:endParaRPr lang="en-US" altLang="ko-KR" sz="2000" b="1" dirty="0">
+              <a:latin typeface="G마켓 산스 TTF Bold" panose="02000000000000000000" pitchFamily="2" charset="-127"/>
+              <a:ea typeface="G마켓 산스 TTF Bold" panose="02000000000000000000" pitchFamily="2" charset="-127"/>
+            </a:endParaRPr>
           </a:p>
           <a:p>
             <a:endParaRPr lang="en-US" altLang="ko-KR" dirty="0"/>
@@ -17054,56 +17065,49 @@
           </a:p>
           <a:p>
             <a:r>
+              <a:rPr lang="en-US" altLang="ko-KR" smtClean="0">
+                <a:latin typeface="G마켓 산스 TTF Light" panose="02000000000000000000" pitchFamily="2" charset="-127"/>
+                <a:ea typeface="G마켓 산스 TTF Light" panose="02000000000000000000" pitchFamily="2" charset="-127"/>
+              </a:rPr>
+              <a:t>N</a:t>
+            </a:r>
+            <a:r>
+              <a:rPr lang="ko-KR" altLang="en-US" smtClean="0">
+                <a:latin typeface="G마켓 산스 TTF Light" panose="02000000000000000000" pitchFamily="2" charset="-127"/>
+                <a:ea typeface="G마켓 산스 TTF Light" panose="02000000000000000000" pitchFamily="2" charset="-127"/>
+              </a:rPr>
+              <a:t>번째 </a:t>
+            </a:r>
+            <a:r>
               <a:rPr lang="ko-KR" altLang="en-US" dirty="0">
                 <a:latin typeface="G마켓 산스 TTF Light" panose="02000000000000000000" pitchFamily="2" charset="-127"/>
                 <a:ea typeface="G마켓 산스 TTF Light" panose="02000000000000000000" pitchFamily="2" charset="-127"/>
               </a:rPr>
-              <a:t>사용자로부터 전달받은 </a:t>
-            </a:r>
-            <a:r>
-              <a:rPr lang="en-US" altLang="ko-KR">
-                <a:latin typeface="G마켓 산스 TTF Light" panose="02000000000000000000" pitchFamily="2" charset="-127"/>
-                <a:ea typeface="G마켓 산스 TTF Light" panose="02000000000000000000" pitchFamily="2" charset="-127"/>
-              </a:rPr>
-              <a:t>N</a:t>
+              <a:t>종말의 수를 구하는 </a:t>
+            </a:r>
+            <a:r>
+              <a:rPr lang="ko-KR" altLang="en-US" dirty="0" smtClean="0">
+                <a:latin typeface="G마켓 산스 TTF Light" panose="02000000000000000000" pitchFamily="2" charset="-127"/>
+                <a:ea typeface="G마켓 산스 TTF Light" panose="02000000000000000000" pitchFamily="2" charset="-127"/>
+              </a:rPr>
+              <a:t>함수를 </a:t>
+            </a:r>
+            <a:r>
+              <a:rPr lang="ko-KR" altLang="en-US" dirty="0">
+                <a:latin typeface="G마켓 산스 TTF Light" panose="02000000000000000000" pitchFamily="2" charset="-127"/>
+                <a:ea typeface="G마켓 산스 TTF Light" panose="02000000000000000000" pitchFamily="2" charset="-127"/>
+              </a:rPr>
+              <a:t>구현 </a:t>
             </a:r>
             <a:r>
               <a:rPr lang="ko-KR" altLang="en-US" smtClean="0">
                 <a:latin typeface="G마켓 산스 TTF Light" panose="02000000000000000000" pitchFamily="2" charset="-127"/>
                 <a:ea typeface="G마켓 산스 TTF Light" panose="02000000000000000000" pitchFamily="2" charset="-127"/>
               </a:rPr>
-              <a:t>번째 </a:t>
-            </a:r>
-            <a:r>
-              <a:rPr lang="ko-KR" altLang="en-US" dirty="0">
-                <a:latin typeface="G마켓 산스 TTF Light" panose="02000000000000000000" pitchFamily="2" charset="-127"/>
-                <a:ea typeface="G마켓 산스 TTF Light" panose="02000000000000000000" pitchFamily="2" charset="-127"/>
-              </a:rPr>
-              <a:t>종말의 수를 구하는 </a:t>
-            </a:r>
-            <a:r>
-              <a:rPr lang="ko-KR" altLang="en-US" dirty="0" smtClean="0">
-                <a:latin typeface="G마켓 산스 TTF Light" panose="02000000000000000000" pitchFamily="2" charset="-127"/>
-                <a:ea typeface="G마켓 산스 TTF Light" panose="02000000000000000000" pitchFamily="2" charset="-127"/>
-              </a:rPr>
-              <a:t>함수를 </a:t>
-            </a:r>
-            <a:r>
-              <a:rPr lang="ko-KR" altLang="en-US" dirty="0">
-                <a:latin typeface="G마켓 산스 TTF Light" panose="02000000000000000000" pitchFamily="2" charset="-127"/>
-                <a:ea typeface="G마켓 산스 TTF Light" panose="02000000000000000000" pitchFamily="2" charset="-127"/>
-              </a:rPr>
-              <a:t>구현 </a:t>
-            </a:r>
-            <a:r>
-              <a:rPr lang="ko-KR" altLang="en-US" dirty="0" smtClean="0">
-                <a:latin typeface="G마켓 산스 TTF Light" panose="02000000000000000000" pitchFamily="2" charset="-127"/>
-                <a:ea typeface="G마켓 산스 TTF Light" panose="02000000000000000000" pitchFamily="2" charset="-127"/>
-              </a:rPr>
               <a:t>하시오</a:t>
             </a:r>
             <a:r>
-              <a:rPr lang="en-US" altLang="ko-KR" dirty="0" smtClean="0">
+              <a:rPr lang="en-US" altLang="ko-KR" smtClean="0">
                 <a:latin typeface="G마켓 산스 TTF Light" panose="02000000000000000000" pitchFamily="2" charset="-127"/>
                 <a:ea typeface="G마켓 산스 TTF Light" panose="02000000000000000000" pitchFamily="2" charset="-127"/>
               </a:rPr>
@@ -17560,11 +17564,18 @@
           </a:p>
           <a:p>
             <a:r>
+              <a:rPr lang="ko-KR" altLang="en-US" b="1" smtClean="0">
+                <a:latin typeface="G마켓 산스 TTF Light" panose="02000000000000000000" pitchFamily="2" charset="-127"/>
+                <a:ea typeface="G마켓 산스 TTF Light" panose="02000000000000000000" pitchFamily="2" charset="-127"/>
+              </a:rPr>
+              <a:t>정답이 복수일 경우 가장 먼저 찾은 난쟁이 조합을 </a:t>
+            </a:r>
+            <a:r>
               <a:rPr lang="ko-KR" altLang="en-US" b="1" dirty="0" smtClean="0">
                 <a:latin typeface="G마켓 산스 TTF Light" panose="02000000000000000000" pitchFamily="2" charset="-127"/>
                 <a:ea typeface="G마켓 산스 TTF Light" panose="02000000000000000000" pitchFamily="2" charset="-127"/>
               </a:rPr>
-              <a:t>가능한 정답이 여러 개이면 아무거나 출력한다</a:t>
+              <a:t>출력한다</a:t>
             </a:r>
             <a:r>
               <a:rPr lang="en-US" altLang="ko-KR" b="1" dirty="0" smtClean="0">
@@ -18964,23 +18975,14 @@
                 <a:latin typeface="G마켓 산스 TTF Bold" panose="02000000000000000000" pitchFamily="2" charset="-127"/>
                 <a:ea typeface="G마켓 산스 TTF Bold" panose="02000000000000000000" pitchFamily="2" charset="-127"/>
               </a:rPr>
-              <a:t>= low + 1</a:t>
-            </a:r>
-          </a:p>
-          <a:p>
-            <a:r>
-              <a:rPr lang="en-US" altLang="ko-KR" dirty="0">
-                <a:latin typeface="G마켓 산스 TTF Bold" panose="02000000000000000000" pitchFamily="2" charset="-127"/>
-                <a:ea typeface="G마켓 산스 TTF Bold" panose="02000000000000000000" pitchFamily="2" charset="-127"/>
-              </a:rPr>
-              <a:t>j = </a:t>
-            </a:r>
-            <a:r>
-              <a:rPr lang="en-US" altLang="ko-KR" dirty="0" smtClean="0">
-                <a:latin typeface="G마켓 산스 TTF Bold" panose="02000000000000000000" pitchFamily="2" charset="-127"/>
-                <a:ea typeface="G마켓 산스 TTF Bold" panose="02000000000000000000" pitchFamily="2" charset="-127"/>
-              </a:rPr>
-              <a:t>high</a:t>
+              <a:t>= </a:t>
+            </a:r>
+            <a:r>
+              <a:rPr lang="en-US" altLang="ko-KR">
+                <a:latin typeface="G마켓 산스 TTF Bold" panose="02000000000000000000" pitchFamily="2" charset="-127"/>
+                <a:ea typeface="G마켓 산스 TTF Bold" panose="02000000000000000000" pitchFamily="2" charset="-127"/>
+              </a:rPr>
+              <a:t>low </a:t>
             </a:r>
             <a:endParaRPr lang="en-US" altLang="ko-KR" dirty="0">
               <a:latin typeface="G마켓 산스 TTF Bold" panose="02000000000000000000" pitchFamily="2" charset="-127"/>
@@ -18988,6 +18990,26 @@
             </a:endParaRPr>
           </a:p>
           <a:p>
+            <a:r>
+              <a:rPr lang="en-US" altLang="ko-KR" dirty="0">
+                <a:latin typeface="G마켓 산스 TTF Bold" panose="02000000000000000000" pitchFamily="2" charset="-127"/>
+                <a:ea typeface="G마켓 산스 TTF Bold" panose="02000000000000000000" pitchFamily="2" charset="-127"/>
+              </a:rPr>
+              <a:t>j = </a:t>
+            </a:r>
+            <a:r>
+              <a:rPr lang="en-US" altLang="ko-KR" dirty="0" smtClean="0">
+                <a:latin typeface="G마켓 산스 TTF Bold" panose="02000000000000000000" pitchFamily="2" charset="-127"/>
+                <a:ea typeface="G마켓 산스 TTF Bold" panose="02000000000000000000" pitchFamily="2" charset="-127"/>
+              </a:rPr>
+              <a:t>high</a:t>
+            </a:r>
+            <a:endParaRPr lang="en-US" altLang="ko-KR" dirty="0">
+              <a:latin typeface="G마켓 산스 TTF Bold" panose="02000000000000000000" pitchFamily="2" charset="-127"/>
+              <a:ea typeface="G마켓 산스 TTF Bold" panose="02000000000000000000" pitchFamily="2" charset="-127"/>
+            </a:endParaRPr>
+          </a:p>
+          <a:p>
             <a:endParaRPr lang="en-US" altLang="ko-KR" dirty="0">
               <a:latin typeface="G마켓 산스 TTF Light" panose="02000000000000000000" pitchFamily="2" charset="-127"/>
               <a:ea typeface="G마켓 산스 TTF Light" panose="02000000000000000000" pitchFamily="2" charset="-127"/>
@@ -19006,8 +19028,47 @@
                 <a:latin typeface="G마켓 산스 TTF Light" panose="02000000000000000000" pitchFamily="2" charset="-127"/>
                 <a:ea typeface="G마켓 산스 TTF Light" panose="02000000000000000000" pitchFamily="2" charset="-127"/>
               </a:rPr>
-              <a:t> = [26, 5, 37, 1, 61, 11, 59, 15, 48, 19] </a:t>
-            </a:r>
+              <a:t> = [</a:t>
+            </a:r>
+            <a:r>
+              <a:rPr lang="en-US" altLang="ko-KR" smtClean="0">
+                <a:latin typeface="G마켓 산스 TTF Light" panose="02000000000000000000" pitchFamily="2" charset="-127"/>
+                <a:ea typeface="G마켓 산스 TTF Light" panose="02000000000000000000" pitchFamily="2" charset="-127"/>
+              </a:rPr>
+              <a:t>26</a:t>
+            </a:r>
+            <a:r>
+              <a:rPr lang="en-US" altLang="ko-KR" smtClean="0">
+                <a:latin typeface="G마켓 산스 TTF Light" panose="02000000000000000000" pitchFamily="2" charset="-127"/>
+                <a:ea typeface="G마켓 산스 TTF Light" panose="02000000000000000000" pitchFamily="2" charset="-127"/>
+              </a:rPr>
+              <a:t>, 26, </a:t>
+            </a:r>
+            <a:r>
+              <a:rPr lang="en-US" altLang="ko-KR" dirty="0" smtClean="0">
+                <a:latin typeface="G마켓 산스 TTF Light" panose="02000000000000000000" pitchFamily="2" charset="-127"/>
+                <a:ea typeface="G마켓 산스 TTF Light" panose="02000000000000000000" pitchFamily="2" charset="-127"/>
+              </a:rPr>
+              <a:t>5, 37, 1, 61, 11, 59, 15, 48</a:t>
+            </a:r>
+            <a:r>
+              <a:rPr lang="en-US" altLang="ko-KR" smtClean="0">
+                <a:latin typeface="G마켓 산스 TTF Light" panose="02000000000000000000" pitchFamily="2" charset="-127"/>
+                <a:ea typeface="G마켓 산스 TTF Light" panose="02000000000000000000" pitchFamily="2" charset="-127"/>
+              </a:rPr>
+              <a:t>, </a:t>
+            </a:r>
+            <a:r>
+              <a:rPr lang="en-US" altLang="ko-KR" smtClean="0">
+                <a:latin typeface="G마켓 산스 TTF Light" panose="02000000000000000000" pitchFamily="2" charset="-127"/>
+                <a:ea typeface="G마켓 산스 TTF Light" panose="02000000000000000000" pitchFamily="2" charset="-127"/>
+              </a:rPr>
+              <a:t>19, 26] </a:t>
+            </a:r>
+            <a:endParaRPr lang="en-US" altLang="ko-KR" dirty="0" smtClean="0">
+              <a:latin typeface="G마켓 산스 TTF Light" panose="02000000000000000000" pitchFamily="2" charset="-127"/>
+              <a:ea typeface="G마켓 산스 TTF Light" panose="02000000000000000000" pitchFamily="2" charset="-127"/>
+            </a:endParaRPr>
           </a:p>
           <a:p>
             <a:endParaRPr lang="en-US" altLang="ko-KR" dirty="0">
@@ -19021,7 +19082,28 @@
                 <a:latin typeface="G마켓 산스 TTF Light" panose="02000000000000000000" pitchFamily="2" charset="-127"/>
                 <a:ea typeface="G마켓 산스 TTF Light" panose="02000000000000000000" pitchFamily="2" charset="-127"/>
               </a:rPr>
-              <a:t>[26, 5, </a:t>
+              <a:t>[26</a:t>
+            </a:r>
+            <a:r>
+              <a:rPr lang="en-US" altLang="ko-KR">
+                <a:latin typeface="G마켓 산스 TTF Light" panose="02000000000000000000" pitchFamily="2" charset="-127"/>
+                <a:ea typeface="G마켓 산스 TTF Light" panose="02000000000000000000" pitchFamily="2" charset="-127"/>
+              </a:rPr>
+              <a:t>, </a:t>
+            </a:r>
+            <a:r>
+              <a:rPr lang="en-US" altLang="ko-KR" smtClean="0">
+                <a:latin typeface="G마켓 산스 TTF Light" panose="02000000000000000000" pitchFamily="2" charset="-127"/>
+                <a:ea typeface="G마켓 산스 TTF Light" panose="02000000000000000000" pitchFamily="2" charset="-127"/>
+              </a:rPr>
+              <a:t>26, 5</a:t>
+            </a:r>
+            <a:r>
+              <a:rPr lang="en-US" altLang="ko-KR" dirty="0">
+                <a:latin typeface="G마켓 산스 TTF Light" panose="02000000000000000000" pitchFamily="2" charset="-127"/>
+                <a:ea typeface="G마켓 산스 TTF Light" panose="02000000000000000000" pitchFamily="2" charset="-127"/>
+              </a:rPr>
+              <a:t>, </a:t>
             </a:r>
             <a:r>
               <a:rPr lang="en-US" altLang="ko-KR" b="1" dirty="0">
@@ -19038,46 +19120,109 @@
                 <a:latin typeface="G마켓 산스 TTF Light" panose="02000000000000000000" pitchFamily="2" charset="-127"/>
                 <a:ea typeface="G마켓 산스 TTF Light" panose="02000000000000000000" pitchFamily="2" charset="-127"/>
               </a:rPr>
-              <a:t>, 1, 61, 11, 59, 15, 48, </a:t>
-            </a:r>
-            <a:r>
-              <a:rPr lang="en-US" altLang="ko-KR" b="1">
+              <a:t>, 1, 61, 11, 59, 15, 48</a:t>
+            </a:r>
+            <a:r>
+              <a:rPr lang="en-US" altLang="ko-KR">
+                <a:latin typeface="G마켓 산스 TTF Light" panose="02000000000000000000" pitchFamily="2" charset="-127"/>
+                <a:ea typeface="G마켓 산스 TTF Light" panose="02000000000000000000" pitchFamily="2" charset="-127"/>
+              </a:rPr>
+              <a:t>, </a:t>
+            </a:r>
+            <a:r>
+              <a:rPr lang="en-US" altLang="ko-KR" b="1" smtClean="0">
                 <a:solidFill>
                   <a:srgbClr val="FF0000"/>
                 </a:solidFill>
                 <a:latin typeface="G마켓 산스 TTF Light" panose="02000000000000000000" pitchFamily="2" charset="-127"/>
                 <a:ea typeface="G마켓 산스 TTF Light" panose="02000000000000000000" pitchFamily="2" charset="-127"/>
               </a:rPr>
-              <a:t>19</a:t>
+              <a:t>19  </a:t>
             </a:r>
             <a:r>
               <a:rPr lang="en-US" altLang="ko-KR" smtClean="0">
-                <a:latin typeface="G마켓 산스 TTF Light" panose="02000000000000000000" pitchFamily="2" charset="-127"/>
-                <a:ea typeface="G마켓 산스 TTF Light" panose="02000000000000000000" pitchFamily="2" charset="-127"/>
-              </a:rPr>
-              <a:t>]	: </a:t>
-            </a:r>
-            <a:r>
-              <a:rPr lang="en-US" altLang="ko-KR" dirty="0">
-                <a:latin typeface="G마켓 산스 TTF Light" panose="02000000000000000000" pitchFamily="2" charset="-127"/>
-                <a:ea typeface="G마켓 산스 TTF Light" panose="02000000000000000000" pitchFamily="2" charset="-127"/>
-              </a:rPr>
-              <a:t>2, 9 </a:t>
-            </a:r>
-          </a:p>
-          <a:p>
+                <a:solidFill>
+                  <a:srgbClr val="FF0000"/>
+                </a:solidFill>
+                <a:latin typeface="G마켓 산스 TTF Light" panose="02000000000000000000" pitchFamily="2" charset="-127"/>
+                <a:ea typeface="G마켓 산스 TTF Light" panose="02000000000000000000" pitchFamily="2" charset="-127"/>
+              </a:rPr>
+              <a:t>,</a:t>
+            </a:r>
+            <a:r>
+              <a:rPr lang="en-US" altLang="ko-KR" smtClean="0">
+                <a:latin typeface="G마켓 산스 TTF Light" panose="02000000000000000000" pitchFamily="2" charset="-127"/>
+                <a:ea typeface="G마켓 산스 TTF Light" panose="02000000000000000000" pitchFamily="2" charset="-127"/>
+              </a:rPr>
+              <a:t>26]</a:t>
+            </a:r>
+            <a:r>
+              <a:rPr lang="en-US" altLang="ko-KR" smtClean="0">
+                <a:latin typeface="G마켓 산스 TTF Light" panose="02000000000000000000" pitchFamily="2" charset="-127"/>
+                <a:ea typeface="G마켓 산스 TTF Light" panose="02000000000000000000" pitchFamily="2" charset="-127"/>
+              </a:rPr>
+              <a:t>	: </a:t>
+            </a:r>
+            <a:r>
+              <a:rPr lang="en-US" altLang="ko-KR" smtClean="0">
+                <a:latin typeface="G마켓 산스 TTF Light" panose="02000000000000000000" pitchFamily="2" charset="-127"/>
+                <a:ea typeface="G마켓 산스 TTF Light" panose="02000000000000000000" pitchFamily="2" charset="-127"/>
+              </a:rPr>
+              <a:t>3, 11 </a:t>
+            </a:r>
             <a:endParaRPr lang="en-US" altLang="ko-KR" dirty="0">
               <a:latin typeface="G마켓 산스 TTF Light" panose="02000000000000000000" pitchFamily="2" charset="-127"/>
               <a:ea typeface="G마켓 산스 TTF Light" panose="02000000000000000000" pitchFamily="2" charset="-127"/>
             </a:endParaRPr>
           </a:p>
           <a:p>
+            <a:endParaRPr lang="en-US" altLang="ko-KR" dirty="0">
+              <a:latin typeface="G마켓 산스 TTF Light" panose="02000000000000000000" pitchFamily="2" charset="-127"/>
+              <a:ea typeface="G마켓 산스 TTF Light" panose="02000000000000000000" pitchFamily="2" charset="-127"/>
+            </a:endParaRPr>
+          </a:p>
+          <a:p>
             <a:r>
               <a:rPr lang="en-US" altLang="ko-KR" dirty="0">
                 <a:latin typeface="G마켓 산스 TTF Light" panose="02000000000000000000" pitchFamily="2" charset="-127"/>
                 <a:ea typeface="G마켓 산스 TTF Light" panose="02000000000000000000" pitchFamily="2" charset="-127"/>
               </a:rPr>
-              <a:t>[26, 5, 19, 1, </a:t>
+              <a:t>[26</a:t>
+            </a:r>
+            <a:r>
+              <a:rPr lang="en-US" altLang="ko-KR">
+                <a:latin typeface="G마켓 산스 TTF Light" panose="02000000000000000000" pitchFamily="2" charset="-127"/>
+                <a:ea typeface="G마켓 산스 TTF Light" panose="02000000000000000000" pitchFamily="2" charset="-127"/>
+              </a:rPr>
+              <a:t>, </a:t>
+            </a:r>
+            <a:r>
+              <a:rPr lang="en-US" altLang="ko-KR">
+                <a:latin typeface="G마켓 산스 TTF Light" panose="02000000000000000000" pitchFamily="2" charset="-127"/>
+                <a:ea typeface="G마켓 산스 TTF Light" panose="02000000000000000000" pitchFamily="2" charset="-127"/>
+              </a:rPr>
+              <a:t>26</a:t>
+            </a:r>
+            <a:r>
+              <a:rPr lang="en-US" altLang="ko-KR">
+                <a:latin typeface="G마켓 산스 TTF Light" panose="02000000000000000000" pitchFamily="2" charset="-127"/>
+                <a:ea typeface="G마켓 산스 TTF Light" panose="02000000000000000000" pitchFamily="2" charset="-127"/>
+              </a:rPr>
+              <a:t>, </a:t>
+            </a:r>
+            <a:r>
+              <a:rPr lang="en-US" altLang="ko-KR" smtClean="0">
+                <a:latin typeface="G마켓 산스 TTF Light" panose="02000000000000000000" pitchFamily="2" charset="-127"/>
+                <a:ea typeface="G마켓 산스 TTF Light" panose="02000000000000000000" pitchFamily="2" charset="-127"/>
+              </a:rPr>
+              <a:t> 5</a:t>
+            </a:r>
+            <a:r>
+              <a:rPr lang="en-US" altLang="ko-KR" dirty="0">
+                <a:latin typeface="G마켓 산스 TTF Light" panose="02000000000000000000" pitchFamily="2" charset="-127"/>
+                <a:ea typeface="G마켓 산스 TTF Light" panose="02000000000000000000" pitchFamily="2" charset="-127"/>
+              </a:rPr>
+              <a:t>, 19, 1, </a:t>
             </a:r>
             <a:r>
               <a:rPr lang="en-US" altLang="ko-KR" b="1" dirty="0">
@@ -19111,43 +19256,110 @@
                 <a:latin typeface="G마켓 산스 TTF Light" panose="02000000000000000000" pitchFamily="2" charset="-127"/>
                 <a:ea typeface="G마켓 산스 TTF Light" panose="02000000000000000000" pitchFamily="2" charset="-127"/>
               </a:rPr>
-              <a:t>, 48, </a:t>
+              <a:t>, 48</a:t>
             </a:r>
             <a:r>
               <a:rPr lang="en-US" altLang="ko-KR">
                 <a:latin typeface="G마켓 산스 TTF Light" panose="02000000000000000000" pitchFamily="2" charset="-127"/>
                 <a:ea typeface="G마켓 산스 TTF Light" panose="02000000000000000000" pitchFamily="2" charset="-127"/>
               </a:rPr>
+              <a:t>, </a:t>
+            </a:r>
+            <a:r>
+              <a:rPr lang="en-US" altLang="ko-KR">
+                <a:latin typeface="G마켓 산스 TTF Light" panose="02000000000000000000" pitchFamily="2" charset="-127"/>
+                <a:ea typeface="G마켓 산스 TTF Light" panose="02000000000000000000" pitchFamily="2" charset="-127"/>
+              </a:rPr>
               <a:t>37</a:t>
             </a:r>
             <a:r>
+              <a:rPr lang="en-US" altLang="ko-KR">
+                <a:latin typeface="G마켓 산스 TTF Light" panose="02000000000000000000" pitchFamily="2" charset="-127"/>
+                <a:ea typeface="G마켓 산스 TTF Light" panose="02000000000000000000" pitchFamily="2" charset="-127"/>
+              </a:rPr>
+              <a:t>, </a:t>
+            </a:r>
+            <a:r>
               <a:rPr lang="en-US" altLang="ko-KR" smtClean="0">
                 <a:latin typeface="G마켓 산스 TTF Light" panose="02000000000000000000" pitchFamily="2" charset="-127"/>
                 <a:ea typeface="G마켓 산스 TTF Light" panose="02000000000000000000" pitchFamily="2" charset="-127"/>
               </a:rPr>
-              <a:t>]	: </a:t>
+              <a:t>26]</a:t>
+            </a:r>
+            <a:r>
+              <a:rPr lang="en-US" altLang="ko-KR" smtClean="0">
+                <a:latin typeface="G마켓 산스 TTF Light" panose="02000000000000000000" pitchFamily="2" charset="-127"/>
+                <a:ea typeface="G마켓 산스 TTF Light" panose="02000000000000000000" pitchFamily="2" charset="-127"/>
+              </a:rPr>
+              <a:t>	: </a:t>
             </a:r>
             <a:r>
               <a:rPr lang="en-US" altLang="ko-KR" dirty="0">
                 <a:latin typeface="G마켓 산스 TTF Light" panose="02000000000000000000" pitchFamily="2" charset="-127"/>
                 <a:ea typeface="G마켓 산스 TTF Light" panose="02000000000000000000" pitchFamily="2" charset="-127"/>
               </a:rPr>
-              <a:t>4, 7 </a:t>
-            </a:r>
-          </a:p>
-          <a:p>
+              <a:t>5</a:t>
+            </a:r>
+            <a:r>
+              <a:rPr lang="en-US" altLang="ko-KR" smtClean="0">
+                <a:latin typeface="G마켓 산스 TTF Light" panose="02000000000000000000" pitchFamily="2" charset="-127"/>
+                <a:ea typeface="G마켓 산스 TTF Light" panose="02000000000000000000" pitchFamily="2" charset="-127"/>
+              </a:rPr>
+              <a:t>, 8 </a:t>
+            </a:r>
             <a:endParaRPr lang="en-US" altLang="ko-KR" dirty="0">
               <a:latin typeface="G마켓 산스 TTF Light" panose="02000000000000000000" pitchFamily="2" charset="-127"/>
               <a:ea typeface="G마켓 산스 TTF Light" panose="02000000000000000000" pitchFamily="2" charset="-127"/>
             </a:endParaRPr>
           </a:p>
           <a:p>
+            <a:endParaRPr lang="en-US" altLang="ko-KR" dirty="0">
+              <a:latin typeface="G마켓 산스 TTF Light" panose="02000000000000000000" pitchFamily="2" charset="-127"/>
+              <a:ea typeface="G마켓 산스 TTF Light" panose="02000000000000000000" pitchFamily="2" charset="-127"/>
+            </a:endParaRPr>
+          </a:p>
+          <a:p>
             <a:r>
               <a:rPr lang="en-US" altLang="ko-KR" dirty="0">
                 <a:latin typeface="G마켓 산스 TTF Light" panose="02000000000000000000" pitchFamily="2" charset="-127"/>
                 <a:ea typeface="G마켓 산스 TTF Light" panose="02000000000000000000" pitchFamily="2" charset="-127"/>
               </a:rPr>
-              <a:t>[26, 5, 19, 1, 15, </a:t>
+              <a:t>[26</a:t>
+            </a:r>
+            <a:r>
+              <a:rPr lang="en-US" altLang="ko-KR">
+                <a:latin typeface="G마켓 산스 TTF Light" panose="02000000000000000000" pitchFamily="2" charset="-127"/>
+                <a:ea typeface="G마켓 산스 TTF Light" panose="02000000000000000000" pitchFamily="2" charset="-127"/>
+              </a:rPr>
+              <a:t>, </a:t>
+            </a:r>
+            <a:r>
+              <a:rPr lang="en-US" altLang="ko-KR">
+                <a:latin typeface="G마켓 산스 TTF Light" panose="02000000000000000000" pitchFamily="2" charset="-127"/>
+                <a:ea typeface="G마켓 산스 TTF Light" panose="02000000000000000000" pitchFamily="2" charset="-127"/>
+              </a:rPr>
+              <a:t>26</a:t>
+            </a:r>
+            <a:r>
+              <a:rPr lang="en-US" altLang="ko-KR">
+                <a:latin typeface="G마켓 산스 TTF Light" panose="02000000000000000000" pitchFamily="2" charset="-127"/>
+                <a:ea typeface="G마켓 산스 TTF Light" panose="02000000000000000000" pitchFamily="2" charset="-127"/>
+              </a:rPr>
+              <a:t>, </a:t>
+            </a:r>
+            <a:r>
+              <a:rPr lang="en-US" altLang="ko-KR" smtClean="0">
+                <a:latin typeface="G마켓 산스 TTF Light" panose="02000000000000000000" pitchFamily="2" charset="-127"/>
+                <a:ea typeface="G마켓 산스 TTF Light" panose="02000000000000000000" pitchFamily="2" charset="-127"/>
+              </a:rPr>
+              <a:t> 5</a:t>
+            </a:r>
+            <a:r>
+              <a:rPr lang="en-US" altLang="ko-KR" dirty="0">
+                <a:latin typeface="G마켓 산스 TTF Light" panose="02000000000000000000" pitchFamily="2" charset="-127"/>
+                <a:ea typeface="G마켓 산스 TTF Light" panose="02000000000000000000" pitchFamily="2" charset="-127"/>
+              </a:rPr>
+              <a:t>, 19, 1, 15, </a:t>
             </a:r>
             <a:r>
               <a:rPr lang="en-US" altLang="ko-KR" b="1" dirty="0">
@@ -19181,43 +19393,138 @@
                 <a:latin typeface="G마켓 산스 TTF Light" panose="02000000000000000000" pitchFamily="2" charset="-127"/>
                 <a:ea typeface="G마켓 산스 TTF Light" panose="02000000000000000000" pitchFamily="2" charset="-127"/>
               </a:rPr>
-              <a:t>, 61, 48, </a:t>
+              <a:t>, 61, 48</a:t>
             </a:r>
             <a:r>
               <a:rPr lang="en-US" altLang="ko-KR">
                 <a:latin typeface="G마켓 산스 TTF Light" panose="02000000000000000000" pitchFamily="2" charset="-127"/>
                 <a:ea typeface="G마켓 산스 TTF Light" panose="02000000000000000000" pitchFamily="2" charset="-127"/>
               </a:rPr>
+              <a:t>, </a:t>
+            </a:r>
+            <a:r>
+              <a:rPr lang="en-US" altLang="ko-KR">
+                <a:latin typeface="G마켓 산스 TTF Light" panose="02000000000000000000" pitchFamily="2" charset="-127"/>
+                <a:ea typeface="G마켓 산스 TTF Light" panose="02000000000000000000" pitchFamily="2" charset="-127"/>
+              </a:rPr>
               <a:t>37</a:t>
             </a:r>
             <a:r>
+              <a:rPr lang="en-US" altLang="ko-KR">
+                <a:latin typeface="G마켓 산스 TTF Light" panose="02000000000000000000" pitchFamily="2" charset="-127"/>
+                <a:ea typeface="G마켓 산스 TTF Light" panose="02000000000000000000" pitchFamily="2" charset="-127"/>
+              </a:rPr>
+              <a:t>, </a:t>
+            </a:r>
+            <a:r>
               <a:rPr lang="en-US" altLang="ko-KR" smtClean="0">
                 <a:latin typeface="G마켓 산스 TTF Light" panose="02000000000000000000" pitchFamily="2" charset="-127"/>
                 <a:ea typeface="G마켓 산스 TTF Light" panose="02000000000000000000" pitchFamily="2" charset="-127"/>
               </a:rPr>
-              <a:t>]	: </a:t>
+              <a:t>26]</a:t>
+            </a:r>
+            <a:r>
+              <a:rPr lang="en-US" altLang="ko-KR" smtClean="0">
+                <a:latin typeface="G마켓 산스 TTF Light" panose="02000000000000000000" pitchFamily="2" charset="-127"/>
+                <a:ea typeface="G마켓 산스 TTF Light" panose="02000000000000000000" pitchFamily="2" charset="-127"/>
+              </a:rPr>
+              <a:t>	: </a:t>
             </a:r>
             <a:r>
               <a:rPr lang="en-US" altLang="ko-KR" dirty="0">
                 <a:latin typeface="G마켓 산스 TTF Light" panose="02000000000000000000" pitchFamily="2" charset="-127"/>
                 <a:ea typeface="G마켓 산스 TTF Light" panose="02000000000000000000" pitchFamily="2" charset="-127"/>
               </a:rPr>
-              <a:t>6, 5 </a:t>
-            </a:r>
-          </a:p>
-          <a:p>
+              <a:t>7</a:t>
+            </a:r>
+            <a:r>
+              <a:rPr lang="en-US" altLang="ko-KR" smtClean="0">
+                <a:latin typeface="G마켓 산스 TTF Light" panose="02000000000000000000" pitchFamily="2" charset="-127"/>
+                <a:ea typeface="G마켓 산스 TTF Light" panose="02000000000000000000" pitchFamily="2" charset="-127"/>
+              </a:rPr>
+              <a:t>, 6 </a:t>
+            </a:r>
             <a:endParaRPr lang="en-US" altLang="ko-KR" dirty="0">
               <a:latin typeface="G마켓 산스 TTF Light" panose="02000000000000000000" pitchFamily="2" charset="-127"/>
               <a:ea typeface="G마켓 산스 TTF Light" panose="02000000000000000000" pitchFamily="2" charset="-127"/>
             </a:endParaRPr>
           </a:p>
           <a:p>
+            <a:endParaRPr lang="en-US" altLang="ko-KR" dirty="0">
+              <a:latin typeface="G마켓 산스 TTF Light" panose="02000000000000000000" pitchFamily="2" charset="-127"/>
+              <a:ea typeface="G마켓 산스 TTF Light" panose="02000000000000000000" pitchFamily="2" charset="-127"/>
+            </a:endParaRPr>
+          </a:p>
+          <a:p>
+            <a:r>
+              <a:rPr lang="en-US" altLang="ko-KR">
+                <a:latin typeface="G마켓 산스 TTF Light" panose="02000000000000000000" pitchFamily="2" charset="-127"/>
+                <a:ea typeface="G마켓 산스 TTF Light" panose="02000000000000000000" pitchFamily="2" charset="-127"/>
+              </a:rPr>
+              <a:t>[26</a:t>
+            </a:r>
+            <a:r>
+              <a:rPr lang="en-US" altLang="ko-KR">
+                <a:latin typeface="G마켓 산스 TTF Light" panose="02000000000000000000" pitchFamily="2" charset="-127"/>
+                <a:ea typeface="G마켓 산스 TTF Light" panose="02000000000000000000" pitchFamily="2" charset="-127"/>
+              </a:rPr>
+              <a:t>, </a:t>
+            </a:r>
+            <a:r>
+              <a:rPr lang="en-US" altLang="ko-KR" smtClean="0">
+                <a:latin typeface="G마켓 산스 TTF Light" panose="02000000000000000000" pitchFamily="2" charset="-127"/>
+                <a:ea typeface="G마켓 산스 TTF Light" panose="02000000000000000000" pitchFamily="2" charset="-127"/>
+              </a:rPr>
+              <a:t>11</a:t>
+            </a:r>
             <a:r>
               <a:rPr lang="en-US" altLang="ko-KR" dirty="0">
                 <a:latin typeface="G마켓 산스 TTF Light" panose="02000000000000000000" pitchFamily="2" charset="-127"/>
                 <a:ea typeface="G마켓 산스 TTF Light" panose="02000000000000000000" pitchFamily="2" charset="-127"/>
               </a:rPr>
-              <a:t>[11, 5, 19, 1, 15, 26, 59, 61, 48, 37]</a:t>
+              <a:t>, 5, 19, 1, 15, 26, 59, 61, 48</a:t>
+            </a:r>
+            <a:r>
+              <a:rPr lang="en-US" altLang="ko-KR">
+                <a:latin typeface="G마켓 산스 TTF Light" panose="02000000000000000000" pitchFamily="2" charset="-127"/>
+                <a:ea typeface="G마켓 산스 TTF Light" panose="02000000000000000000" pitchFamily="2" charset="-127"/>
+              </a:rPr>
+              <a:t>, </a:t>
+            </a:r>
+            <a:r>
+              <a:rPr lang="en-US" altLang="ko-KR">
+                <a:latin typeface="G마켓 산스 TTF Light" panose="02000000000000000000" pitchFamily="2" charset="-127"/>
+                <a:ea typeface="G마켓 산스 TTF Light" panose="02000000000000000000" pitchFamily="2" charset="-127"/>
+              </a:rPr>
+              <a:t>37, </a:t>
+            </a:r>
+            <a:r>
+              <a:rPr lang="en-US" altLang="ko-KR">
+                <a:latin typeface="G마켓 산스 TTF Light" panose="02000000000000000000" pitchFamily="2" charset="-127"/>
+                <a:ea typeface="G마켓 산스 TTF Light" panose="02000000000000000000" pitchFamily="2" charset="-127"/>
+              </a:rPr>
+              <a:t>26</a:t>
+            </a:r>
+            <a:r>
+              <a:rPr lang="en-US" altLang="ko-KR" smtClean="0">
+                <a:latin typeface="G마켓 산스 TTF Light" panose="02000000000000000000" pitchFamily="2" charset="-127"/>
+                <a:ea typeface="G마켓 산스 TTF Light" panose="02000000000000000000" pitchFamily="2" charset="-127"/>
+              </a:rPr>
+              <a:t>,</a:t>
+            </a:r>
+            <a:r>
+              <a:rPr lang="en-US" altLang="ko-KR">
+                <a:latin typeface="G마켓 산스 TTF Light" panose="02000000000000000000" pitchFamily="2" charset="-127"/>
+                <a:ea typeface="G마켓 산스 TTF Light" panose="02000000000000000000" pitchFamily="2" charset="-127"/>
+              </a:rPr>
+              <a:t> </a:t>
+            </a:r>
+            <a:r>
+              <a:rPr lang="en-US" altLang="ko-KR" smtClean="0">
+                <a:latin typeface="G마켓 산스 TTF Light" panose="02000000000000000000" pitchFamily="2" charset="-127"/>
+                <a:ea typeface="G마켓 산스 TTF Light" panose="02000000000000000000" pitchFamily="2" charset="-127"/>
+              </a:rPr>
+              <a:t>26]</a:t>
             </a:r>
             <a:endParaRPr lang="ko-KR" altLang="en-US" dirty="0">
               <a:latin typeface="G마켓 산스 TTF Light" panose="02000000000000000000" pitchFamily="2" charset="-127"/>
@@ -21610,7 +21917,7 @@
         <p:spPr>
           <a:xfrm>
             <a:off x="695325" y="1133475"/>
-            <a:ext cx="10220325" cy="2769989"/>
+            <a:ext cx="10220325" cy="2154436"/>
           </a:xfrm>
           <a:prstGeom prst="rect">
             <a:avLst/>
@@ -21662,106 +21969,77 @@
           </a:p>
           <a:p>
             <a:r>
-              <a:rPr lang="en-US" altLang="ko-KR" dirty="0">
-                <a:latin typeface="G마켓 산스 TTF Light" panose="02000000000000000000" pitchFamily="2" charset="-127"/>
-                <a:ea typeface="G마켓 산스 TTF Light" panose="02000000000000000000" pitchFamily="2" charset="-127"/>
-              </a:rPr>
-              <a:t>Top-down </a:t>
-            </a:r>
-            <a:r>
               <a:rPr lang="ko-KR" altLang="en-US" dirty="0">
                 <a:latin typeface="G마켓 산스 TTF Light" panose="02000000000000000000" pitchFamily="2" charset="-127"/>
                 <a:ea typeface="G마켓 산스 TTF Light" panose="02000000000000000000" pitchFamily="2" charset="-127"/>
               </a:rPr>
-              <a:t>혹은 </a:t>
-            </a:r>
-            <a:r>
-              <a:rPr lang="en-US" altLang="ko-KR" dirty="0">
-                <a:latin typeface="G마켓 산스 TTF Light" panose="02000000000000000000" pitchFamily="2" charset="-127"/>
-                <a:ea typeface="G마켓 산스 TTF Light" panose="02000000000000000000" pitchFamily="2" charset="-127"/>
-              </a:rPr>
-              <a:t>Bottom-up </a:t>
+              <a:t>가장 작은 입력 사례의 해답을 테이블에 </a:t>
+            </a:r>
+            <a:r>
+              <a:rPr lang="ko-KR" altLang="en-US">
+                <a:latin typeface="G마켓 산스 TTF Light" panose="02000000000000000000" pitchFamily="2" charset="-127"/>
+                <a:ea typeface="G마켓 산스 TTF Light" panose="02000000000000000000" pitchFamily="2" charset="-127"/>
+              </a:rPr>
+              <a:t>저장하고 </a:t>
+            </a:r>
+            <a:endParaRPr lang="en-US" altLang="ko-KR" smtClean="0">
+              <a:latin typeface="G마켓 산스 TTF Light" panose="02000000000000000000" pitchFamily="2" charset="-127"/>
+              <a:ea typeface="G마켓 산스 TTF Light" panose="02000000000000000000" pitchFamily="2" charset="-127"/>
+            </a:endParaRPr>
+          </a:p>
+          <a:p>
+            <a:endParaRPr lang="en-US" altLang="ko-KR">
+              <a:latin typeface="G마켓 산스 TTF Light" panose="02000000000000000000" pitchFamily="2" charset="-127"/>
+              <a:ea typeface="G마켓 산스 TTF Light" panose="02000000000000000000" pitchFamily="2" charset="-127"/>
+            </a:endParaRPr>
+          </a:p>
+          <a:p>
+            <a:r>
+              <a:rPr lang="ko-KR" altLang="en-US" smtClean="0">
+                <a:latin typeface="G마켓 산스 TTF Light" panose="02000000000000000000" pitchFamily="2" charset="-127"/>
+                <a:ea typeface="G마켓 산스 TTF Light" panose="02000000000000000000" pitchFamily="2" charset="-127"/>
+              </a:rPr>
+              <a:t>필요할 </a:t>
             </a:r>
             <a:r>
               <a:rPr lang="ko-KR" altLang="en-US" dirty="0">
                 <a:latin typeface="G마켓 산스 TTF Light" panose="02000000000000000000" pitchFamily="2" charset="-127"/>
                 <a:ea typeface="G마켓 산스 TTF Light" panose="02000000000000000000" pitchFamily="2" charset="-127"/>
               </a:rPr>
-              <a:t>방식으로 문제를 해결한다</a:t>
+              <a:t>때 연산에 활용</a:t>
+            </a:r>
+            <a:r>
+              <a:rPr lang="en-US" altLang="ko-KR">
+                <a:latin typeface="G마켓 산스 TTF Light" panose="02000000000000000000" pitchFamily="2" charset="-127"/>
+                <a:ea typeface="G마켓 산스 TTF Light" panose="02000000000000000000" pitchFamily="2" charset="-127"/>
+              </a:rPr>
+              <a:t>(</a:t>
+            </a:r>
+            <a:r>
+              <a:rPr lang="en-US" altLang="ko-KR" smtClean="0">
+                <a:latin typeface="G마켓 산스 TTF Light" panose="02000000000000000000" pitchFamily="2" charset="-127"/>
+                <a:ea typeface="G마켓 산스 TTF Light" panose="02000000000000000000" pitchFamily="2" charset="-127"/>
+              </a:rPr>
+              <a:t>Memoization) </a:t>
+            </a:r>
+            <a:r>
+              <a:rPr lang="ko-KR" altLang="en-US" smtClean="0">
+                <a:latin typeface="G마켓 산스 TTF Light" panose="02000000000000000000" pitchFamily="2" charset="-127"/>
+                <a:ea typeface="G마켓 산스 TTF Light" panose="02000000000000000000" pitchFamily="2" charset="-127"/>
+              </a:rPr>
+              <a:t>하여 문제를 해결한다</a:t>
+            </a:r>
+            <a:r>
+              <a:rPr lang="en-US" altLang="ko-KR" smtClean="0">
+                <a:latin typeface="G마켓 산스 TTF Light" panose="02000000000000000000" pitchFamily="2" charset="-127"/>
+                <a:ea typeface="G마켓 산스 TTF Light" panose="02000000000000000000" pitchFamily="2" charset="-127"/>
+              </a:rPr>
+              <a:t>.</a:t>
             </a:r>
             <a:endParaRPr lang="en-US" altLang="ko-KR" dirty="0">
               <a:latin typeface="G마켓 산스 TTF Light" panose="02000000000000000000" pitchFamily="2" charset="-127"/>
               <a:ea typeface="G마켓 산스 TTF Light" panose="02000000000000000000" pitchFamily="2" charset="-127"/>
             </a:endParaRPr>
-          </a:p>
-          <a:p>
-            <a:endParaRPr lang="en-US" altLang="ko-KR" dirty="0">
-              <a:latin typeface="G마켓 산스 TTF Light" panose="02000000000000000000" pitchFamily="2" charset="-127"/>
-              <a:ea typeface="G마켓 산스 TTF Light" panose="02000000000000000000" pitchFamily="2" charset="-127"/>
-            </a:endParaRPr>
-          </a:p>
-          <a:p>
-            <a:r>
-              <a:rPr lang="ko-KR" altLang="en-US" dirty="0">
-                <a:latin typeface="G마켓 산스 TTF Light" panose="02000000000000000000" pitchFamily="2" charset="-127"/>
-                <a:ea typeface="G마켓 산스 TTF Light" panose="02000000000000000000" pitchFamily="2" charset="-127"/>
-              </a:rPr>
-              <a:t>가장 작은 입력 사례의 해답을 테이블에 </a:t>
-            </a:r>
-            <a:r>
-              <a:rPr lang="ko-KR" altLang="en-US">
-                <a:latin typeface="G마켓 산스 TTF Light" panose="02000000000000000000" pitchFamily="2" charset="-127"/>
-                <a:ea typeface="G마켓 산스 TTF Light" panose="02000000000000000000" pitchFamily="2" charset="-127"/>
-              </a:rPr>
-              <a:t>저장하고 </a:t>
-            </a:r>
-            <a:endParaRPr lang="en-US" altLang="ko-KR" smtClean="0">
-              <a:latin typeface="G마켓 산스 TTF Light" panose="02000000000000000000" pitchFamily="2" charset="-127"/>
-              <a:ea typeface="G마켓 산스 TTF Light" panose="02000000000000000000" pitchFamily="2" charset="-127"/>
-            </a:endParaRPr>
-          </a:p>
-          <a:p>
-            <a:endParaRPr lang="en-US" altLang="ko-KR">
-              <a:latin typeface="G마켓 산스 TTF Light" panose="02000000000000000000" pitchFamily="2" charset="-127"/>
-              <a:ea typeface="G마켓 산스 TTF Light" panose="02000000000000000000" pitchFamily="2" charset="-127"/>
-            </a:endParaRPr>
-          </a:p>
-          <a:p>
-            <a:r>
-              <a:rPr lang="ko-KR" altLang="en-US" smtClean="0">
-                <a:latin typeface="G마켓 산스 TTF Light" panose="02000000000000000000" pitchFamily="2" charset="-127"/>
-                <a:ea typeface="G마켓 산스 TTF Light" panose="02000000000000000000" pitchFamily="2" charset="-127"/>
-              </a:rPr>
-              <a:t>필요할 </a:t>
-            </a:r>
-            <a:r>
-              <a:rPr lang="ko-KR" altLang="en-US" dirty="0">
-                <a:latin typeface="G마켓 산스 TTF Light" panose="02000000000000000000" pitchFamily="2" charset="-127"/>
-                <a:ea typeface="G마켓 산스 TTF Light" panose="02000000000000000000" pitchFamily="2" charset="-127"/>
-              </a:rPr>
-              <a:t>때 연산에 활용</a:t>
-            </a:r>
-            <a:r>
-              <a:rPr lang="en-US" altLang="ko-KR">
-                <a:latin typeface="G마켓 산스 TTF Light" panose="02000000000000000000" pitchFamily="2" charset="-127"/>
-                <a:ea typeface="G마켓 산스 TTF Light" panose="02000000000000000000" pitchFamily="2" charset="-127"/>
-              </a:rPr>
-              <a:t>(</a:t>
-            </a:r>
-            <a:r>
-              <a:rPr lang="en-US" altLang="ko-KR" smtClean="0">
-                <a:latin typeface="G마켓 산스 TTF Light" panose="02000000000000000000" pitchFamily="2" charset="-127"/>
-                <a:ea typeface="G마켓 산스 TTF Light" panose="02000000000000000000" pitchFamily="2" charset="-127"/>
-              </a:rPr>
-              <a:t>Memoization</a:t>
-            </a:r>
-            <a:r>
-              <a:rPr lang="en-US" altLang="ko-KR" dirty="0">
-                <a:latin typeface="G마켓 산스 TTF Light" panose="02000000000000000000" pitchFamily="2" charset="-127"/>
-                <a:ea typeface="G마켓 산스 TTF Light" panose="02000000000000000000" pitchFamily="2" charset="-127"/>
-              </a:rPr>
-              <a:t>)</a:t>
-            </a:r>
           </a:p>
         </p:txBody>
       </p:sp>
